--- a/Images/keras_thumbnail.pptx
+++ b/Images/keras_thumbnail.pptx
@@ -3783,7 +3783,9 @@
             <a:avLst/>
           </a:prstGeom>
           <a:solidFill>
-            <a:schemeClr val="bg1"/>
+            <a:srgbClr val="FFFFFF">
+              <a:alpha val="0"/>
+            </a:srgbClr>
           </a:solidFill>
           <a:ln>
             <a:noFill/>
@@ -3814,6 +3816,40 @@
           </a:p>
         </p:txBody>
       </p:sp>
+      <p:sp>
+        <p:nvSpPr>
+          <p:cNvPr id="3" name="TextBox 2">
+            <a:extLst>
+              <a:ext uri="{FF2B5EF4-FFF2-40B4-BE49-F238E27FC236}">
+                <a16:creationId xmlns:a16="http://schemas.microsoft.com/office/drawing/2014/main" id="{65C1C50F-DFF4-14C2-6308-B15C0BA6FFD6}"/>
+              </a:ext>
+            </a:extLst>
+          </p:cNvPr>
+          <p:cNvSpPr txBox="1"/>
+          <p:nvPr/>
+        </p:nvSpPr>
+        <p:spPr>
+          <a:xfrm>
+            <a:off x="4630756" y="1401898"/>
+            <a:ext cx="2930487" cy="4340645"/>
+          </a:xfrm>
+          <a:prstGeom prst="rect">
+            <a:avLst/>
+          </a:prstGeom>
+          <a:solidFill>
+            <a:srgbClr val="FFFFFF"/>
+          </a:solidFill>
+        </p:spPr>
+        <p:txBody>
+          <a:bodyPr wrap="square" rtlCol="0">
+            <a:spAutoFit/>
+          </a:bodyPr>
+          <a:lstStyle/>
+          <a:p>
+            <a:endParaRPr lang="en-GB" dirty="0"/>
+          </a:p>
+        </p:txBody>
+      </p:sp>
       <p:pic>
         <p:nvPicPr>
           <p:cNvPr id="4" name="Graphic 3">
@@ -3842,8 +3878,8 @@
         </p:blipFill>
         <p:spPr>
           <a:xfrm>
-            <a:off x="3269141" y="602141"/>
-            <a:ext cx="5653718" cy="5653718"/>
+            <a:off x="3529930" y="994270"/>
+            <a:ext cx="5132140" cy="5132140"/>
           </a:xfrm>
           <a:prstGeom prst="rect">
             <a:avLst/>
